--- a/Working with SQL/Parsing and Manipulationn Text.pptx
+++ b/Working with SQL/Parsing and Manipulationn Text.pptx
@@ -6,6 +6,11 @@
   </p:sldMasterIdLst>
   <p:sldIdLst>
     <p:sldId id="256" r:id="rId2"/>
+    <p:sldId id="257" r:id="rId3"/>
+    <p:sldId id="258" r:id="rId4"/>
+    <p:sldId id="259" r:id="rId5"/>
+    <p:sldId id="260" r:id="rId6"/>
+    <p:sldId id="261" r:id="rId7"/>
   </p:sldIdLst>
   <p:sldSz cx="12192000" cy="6858000"/>
   <p:notesSz cx="6858000" cy="9144000"/>
@@ -104,6 +109,11 @@
       </a:defRPr>
     </a:lvl9pPr>
   </p:defaultTextStyle>
+  <p:extLst>
+    <p:ext uri="{EFAFB233-063F-42B5-8137-9DF3F51BA10A}">
+      <p15:sldGuideLst xmlns:p15="http://schemas.microsoft.com/office/powerpoint/2012/main"/>
+    </p:ext>
+  </p:extLst>
 </p:presentation>
 </file>
 
@@ -254,7 +264,7 @@
           <a:p>
             <a:fld id="{DE2C5E95-7DE1-46DD-BFC6-4D3310A1AC10}" type="datetimeFigureOut">
               <a:rPr lang="en-US" smtClean="0"/>
-              <a:t>2/4/2023</a:t>
+              <a:t>2/20/2023</a:t>
             </a:fld>
             <a:endParaRPr lang="en-US"/>
           </a:p>
@@ -452,7 +462,7 @@
           <a:p>
             <a:fld id="{DE2C5E95-7DE1-46DD-BFC6-4D3310A1AC10}" type="datetimeFigureOut">
               <a:rPr lang="en-US" smtClean="0"/>
-              <a:t>2/4/2023</a:t>
+              <a:t>2/20/2023</a:t>
             </a:fld>
             <a:endParaRPr lang="en-US"/>
           </a:p>
@@ -660,7 +670,7 @@
           <a:p>
             <a:fld id="{DE2C5E95-7DE1-46DD-BFC6-4D3310A1AC10}" type="datetimeFigureOut">
               <a:rPr lang="en-US" smtClean="0"/>
-              <a:t>2/4/2023</a:t>
+              <a:t>2/20/2023</a:t>
             </a:fld>
             <a:endParaRPr lang="en-US"/>
           </a:p>
@@ -858,7 +868,7 @@
           <a:p>
             <a:fld id="{DE2C5E95-7DE1-46DD-BFC6-4D3310A1AC10}" type="datetimeFigureOut">
               <a:rPr lang="en-US" smtClean="0"/>
-              <a:t>2/4/2023</a:t>
+              <a:t>2/20/2023</a:t>
             </a:fld>
             <a:endParaRPr lang="en-US"/>
           </a:p>
@@ -1133,7 +1143,7 @@
           <a:p>
             <a:fld id="{DE2C5E95-7DE1-46DD-BFC6-4D3310A1AC10}" type="datetimeFigureOut">
               <a:rPr lang="en-US" smtClean="0"/>
-              <a:t>2/4/2023</a:t>
+              <a:t>2/20/2023</a:t>
             </a:fld>
             <a:endParaRPr lang="en-US"/>
           </a:p>
@@ -1398,7 +1408,7 @@
           <a:p>
             <a:fld id="{DE2C5E95-7DE1-46DD-BFC6-4D3310A1AC10}" type="datetimeFigureOut">
               <a:rPr lang="en-US" smtClean="0"/>
-              <a:t>2/4/2023</a:t>
+              <a:t>2/20/2023</a:t>
             </a:fld>
             <a:endParaRPr lang="en-US"/>
           </a:p>
@@ -1810,7 +1820,7 @@
           <a:p>
             <a:fld id="{DE2C5E95-7DE1-46DD-BFC6-4D3310A1AC10}" type="datetimeFigureOut">
               <a:rPr lang="en-US" smtClean="0"/>
-              <a:t>2/4/2023</a:t>
+              <a:t>2/20/2023</a:t>
             </a:fld>
             <a:endParaRPr lang="en-US"/>
           </a:p>
@@ -1951,7 +1961,7 @@
           <a:p>
             <a:fld id="{DE2C5E95-7DE1-46DD-BFC6-4D3310A1AC10}" type="datetimeFigureOut">
               <a:rPr lang="en-US" smtClean="0"/>
-              <a:t>2/4/2023</a:t>
+              <a:t>2/20/2023</a:t>
             </a:fld>
             <a:endParaRPr lang="en-US"/>
           </a:p>
@@ -2064,7 +2074,7 @@
           <a:p>
             <a:fld id="{DE2C5E95-7DE1-46DD-BFC6-4D3310A1AC10}" type="datetimeFigureOut">
               <a:rPr lang="en-US" smtClean="0"/>
-              <a:t>2/4/2023</a:t>
+              <a:t>2/20/2023</a:t>
             </a:fld>
             <a:endParaRPr lang="en-US"/>
           </a:p>
@@ -2375,7 +2385,7 @@
           <a:p>
             <a:fld id="{DE2C5E95-7DE1-46DD-BFC6-4D3310A1AC10}" type="datetimeFigureOut">
               <a:rPr lang="en-US" smtClean="0"/>
-              <a:t>2/4/2023</a:t>
+              <a:t>2/20/2023</a:t>
             </a:fld>
             <a:endParaRPr lang="en-US"/>
           </a:p>
@@ -2663,7 +2673,7 @@
           <a:p>
             <a:fld id="{DE2C5E95-7DE1-46DD-BFC6-4D3310A1AC10}" type="datetimeFigureOut">
               <a:rPr lang="en-US" smtClean="0"/>
-              <a:t>2/4/2023</a:t>
+              <a:t>2/20/2023</a:t>
             </a:fld>
             <a:endParaRPr lang="en-US"/>
           </a:p>
@@ -2904,7 +2914,7 @@
           <a:p>
             <a:fld id="{DE2C5E95-7DE1-46DD-BFC6-4D3310A1AC10}" type="datetimeFigureOut">
               <a:rPr lang="en-US" smtClean="0"/>
-              <a:t>2/4/2023</a:t>
+              <a:t>2/20/2023</a:t>
             </a:fld>
             <a:endParaRPr lang="en-US"/>
           </a:p>
@@ -3371,10 +3381,590 @@
           </a:p>
         </p:txBody>
       </p:sp>
+      <p:pic>
+        <p:nvPicPr>
+          <p:cNvPr id="5" name="Picture 4">
+            <a:extLst>
+              <a:ext uri="{FF2B5EF4-FFF2-40B4-BE49-F238E27FC236}">
+                <a16:creationId xmlns:a16="http://schemas.microsoft.com/office/drawing/2014/main" id="{66FC24C7-7757-1527-ED7D-8A62C48F15F8}"/>
+              </a:ext>
+            </a:extLst>
+          </p:cNvPr>
+          <p:cNvPicPr>
+            <a:picLocks noChangeAspect="1"/>
+          </p:cNvPicPr>
+          <p:nvPr/>
+        </p:nvPicPr>
+        <p:blipFill>
+          <a:blip r:embed="rId2"/>
+          <a:stretch>
+            <a:fillRect/>
+          </a:stretch>
+        </p:blipFill>
+        <p:spPr>
+          <a:xfrm>
+            <a:off x="0" y="0"/>
+            <a:ext cx="12192000" cy="6858000"/>
+          </a:xfrm>
+          <a:prstGeom prst="rect">
+            <a:avLst/>
+          </a:prstGeom>
+        </p:spPr>
+      </p:pic>
     </p:spTree>
     <p:extLst>
       <p:ext uri="{BB962C8B-B14F-4D97-AF65-F5344CB8AC3E}">
         <p14:creationId xmlns:p14="http://schemas.microsoft.com/office/powerpoint/2010/main" val="4172029492"/>
+      </p:ext>
+    </p:extLst>
+  </p:cSld>
+  <p:clrMapOvr>
+    <a:masterClrMapping/>
+  </p:clrMapOvr>
+</p:sld>
+</file>
+
+<file path=ppt/slides/slide2.xml><?xml version="1.0" encoding="utf-8"?>
+<p:sld xmlns:a="http://schemas.openxmlformats.org/drawingml/2006/main" xmlns:r="http://schemas.openxmlformats.org/officeDocument/2006/relationships" xmlns:p="http://schemas.openxmlformats.org/presentationml/2006/main">
+  <p:cSld>
+    <p:spTree>
+      <p:nvGrpSpPr>
+        <p:cNvPr id="1" name=""/>
+        <p:cNvGrpSpPr/>
+        <p:nvPr/>
+      </p:nvGrpSpPr>
+      <p:grpSpPr>
+        <a:xfrm>
+          <a:off x="0" y="0"/>
+          <a:ext cx="0" cy="0"/>
+          <a:chOff x="0" y="0"/>
+          <a:chExt cx="0" cy="0"/>
+        </a:xfrm>
+      </p:grpSpPr>
+      <p:sp>
+        <p:nvSpPr>
+          <p:cNvPr id="2" name="Title 1">
+            <a:extLst>
+              <a:ext uri="{FF2B5EF4-FFF2-40B4-BE49-F238E27FC236}">
+                <a16:creationId xmlns:a16="http://schemas.microsoft.com/office/drawing/2014/main" id="{42704D64-25BD-353D-BADA-A7F5867E73DC}"/>
+              </a:ext>
+            </a:extLst>
+          </p:cNvPr>
+          <p:cNvSpPr>
+            <a:spLocks noGrp="1"/>
+          </p:cNvSpPr>
+          <p:nvPr>
+            <p:ph type="title"/>
+          </p:nvPr>
+        </p:nvSpPr>
+        <p:spPr/>
+        <p:txBody>
+          <a:bodyPr/>
+          <a:lstStyle/>
+          <a:p>
+            <a:endParaRPr lang="en-US"/>
+          </a:p>
+        </p:txBody>
+      </p:sp>
+      <p:sp>
+        <p:nvSpPr>
+          <p:cNvPr id="3" name="Content Placeholder 2">
+            <a:extLst>
+              <a:ext uri="{FF2B5EF4-FFF2-40B4-BE49-F238E27FC236}">
+                <a16:creationId xmlns:a16="http://schemas.microsoft.com/office/drawing/2014/main" id="{B1079638-ECD2-BCEB-D236-41FE5D2B48E4}"/>
+              </a:ext>
+            </a:extLst>
+          </p:cNvPr>
+          <p:cNvSpPr>
+            <a:spLocks noGrp="1"/>
+          </p:cNvSpPr>
+          <p:nvPr>
+            <p:ph idx="1"/>
+          </p:nvPr>
+        </p:nvSpPr>
+        <p:spPr/>
+        <p:txBody>
+          <a:bodyPr/>
+          <a:lstStyle/>
+          <a:p>
+            <a:endParaRPr lang="en-US"/>
+          </a:p>
+        </p:txBody>
+      </p:sp>
+      <p:pic>
+        <p:nvPicPr>
+          <p:cNvPr id="5" name="Picture 4">
+            <a:extLst>
+              <a:ext uri="{FF2B5EF4-FFF2-40B4-BE49-F238E27FC236}">
+                <a16:creationId xmlns:a16="http://schemas.microsoft.com/office/drawing/2014/main" id="{793FA621-843B-7600-F552-4CDD53F8B09B}"/>
+              </a:ext>
+            </a:extLst>
+          </p:cNvPr>
+          <p:cNvPicPr>
+            <a:picLocks noChangeAspect="1"/>
+          </p:cNvPicPr>
+          <p:nvPr/>
+        </p:nvPicPr>
+        <p:blipFill>
+          <a:blip r:embed="rId2"/>
+          <a:stretch>
+            <a:fillRect/>
+          </a:stretch>
+        </p:blipFill>
+        <p:spPr>
+          <a:xfrm>
+            <a:off x="0" y="0"/>
+            <a:ext cx="12192000" cy="6858000"/>
+          </a:xfrm>
+          <a:prstGeom prst="rect">
+            <a:avLst/>
+          </a:prstGeom>
+        </p:spPr>
+      </p:pic>
+    </p:spTree>
+    <p:extLst>
+      <p:ext uri="{BB962C8B-B14F-4D97-AF65-F5344CB8AC3E}">
+        <p14:creationId xmlns:p14="http://schemas.microsoft.com/office/powerpoint/2010/main" val="4166017750"/>
+      </p:ext>
+    </p:extLst>
+  </p:cSld>
+  <p:clrMapOvr>
+    <a:masterClrMapping/>
+  </p:clrMapOvr>
+</p:sld>
+</file>
+
+<file path=ppt/slides/slide3.xml><?xml version="1.0" encoding="utf-8"?>
+<p:sld xmlns:a="http://schemas.openxmlformats.org/drawingml/2006/main" xmlns:r="http://schemas.openxmlformats.org/officeDocument/2006/relationships" xmlns:p="http://schemas.openxmlformats.org/presentationml/2006/main">
+  <p:cSld>
+    <p:spTree>
+      <p:nvGrpSpPr>
+        <p:cNvPr id="1" name=""/>
+        <p:cNvGrpSpPr/>
+        <p:nvPr/>
+      </p:nvGrpSpPr>
+      <p:grpSpPr>
+        <a:xfrm>
+          <a:off x="0" y="0"/>
+          <a:ext cx="0" cy="0"/>
+          <a:chOff x="0" y="0"/>
+          <a:chExt cx="0" cy="0"/>
+        </a:xfrm>
+      </p:grpSpPr>
+      <p:sp>
+        <p:nvSpPr>
+          <p:cNvPr id="2" name="Title 1">
+            <a:extLst>
+              <a:ext uri="{FF2B5EF4-FFF2-40B4-BE49-F238E27FC236}">
+                <a16:creationId xmlns:a16="http://schemas.microsoft.com/office/drawing/2014/main" id="{CEE06FBB-E935-D49E-CF93-D7691FFDC9FF}"/>
+              </a:ext>
+            </a:extLst>
+          </p:cNvPr>
+          <p:cNvSpPr>
+            <a:spLocks noGrp="1"/>
+          </p:cNvSpPr>
+          <p:nvPr>
+            <p:ph type="title"/>
+          </p:nvPr>
+        </p:nvSpPr>
+        <p:spPr/>
+        <p:txBody>
+          <a:bodyPr/>
+          <a:lstStyle/>
+          <a:p>
+            <a:endParaRPr lang="en-US"/>
+          </a:p>
+        </p:txBody>
+      </p:sp>
+      <p:sp>
+        <p:nvSpPr>
+          <p:cNvPr id="3" name="Content Placeholder 2">
+            <a:extLst>
+              <a:ext uri="{FF2B5EF4-FFF2-40B4-BE49-F238E27FC236}">
+                <a16:creationId xmlns:a16="http://schemas.microsoft.com/office/drawing/2014/main" id="{012E6751-C281-1D7D-6AC5-BD30DB293AB8}"/>
+              </a:ext>
+            </a:extLst>
+          </p:cNvPr>
+          <p:cNvSpPr>
+            <a:spLocks noGrp="1"/>
+          </p:cNvSpPr>
+          <p:nvPr>
+            <p:ph idx="1"/>
+          </p:nvPr>
+        </p:nvSpPr>
+        <p:spPr/>
+        <p:txBody>
+          <a:bodyPr/>
+          <a:lstStyle/>
+          <a:p>
+            <a:endParaRPr lang="en-US"/>
+          </a:p>
+        </p:txBody>
+      </p:sp>
+      <p:pic>
+        <p:nvPicPr>
+          <p:cNvPr id="5" name="Picture 4">
+            <a:extLst>
+              <a:ext uri="{FF2B5EF4-FFF2-40B4-BE49-F238E27FC236}">
+                <a16:creationId xmlns:a16="http://schemas.microsoft.com/office/drawing/2014/main" id="{CB02DC58-A9CC-9ED7-B0D7-653F900E6F87}"/>
+              </a:ext>
+            </a:extLst>
+          </p:cNvPr>
+          <p:cNvPicPr>
+            <a:picLocks noChangeAspect="1"/>
+          </p:cNvPicPr>
+          <p:nvPr/>
+        </p:nvPicPr>
+        <p:blipFill>
+          <a:blip r:embed="rId2"/>
+          <a:stretch>
+            <a:fillRect/>
+          </a:stretch>
+        </p:blipFill>
+        <p:spPr>
+          <a:xfrm>
+            <a:off x="0" y="0"/>
+            <a:ext cx="12192000" cy="6858000"/>
+          </a:xfrm>
+          <a:prstGeom prst="rect">
+            <a:avLst/>
+          </a:prstGeom>
+        </p:spPr>
+      </p:pic>
+    </p:spTree>
+    <p:extLst>
+      <p:ext uri="{BB962C8B-B14F-4D97-AF65-F5344CB8AC3E}">
+        <p14:creationId xmlns:p14="http://schemas.microsoft.com/office/powerpoint/2010/main" val="360869795"/>
+      </p:ext>
+    </p:extLst>
+  </p:cSld>
+  <p:clrMapOvr>
+    <a:masterClrMapping/>
+  </p:clrMapOvr>
+</p:sld>
+</file>
+
+<file path=ppt/slides/slide4.xml><?xml version="1.0" encoding="utf-8"?>
+<p:sld xmlns:a="http://schemas.openxmlformats.org/drawingml/2006/main" xmlns:r="http://schemas.openxmlformats.org/officeDocument/2006/relationships" xmlns:p="http://schemas.openxmlformats.org/presentationml/2006/main">
+  <p:cSld>
+    <p:spTree>
+      <p:nvGrpSpPr>
+        <p:cNvPr id="1" name=""/>
+        <p:cNvGrpSpPr/>
+        <p:nvPr/>
+      </p:nvGrpSpPr>
+      <p:grpSpPr>
+        <a:xfrm>
+          <a:off x="0" y="0"/>
+          <a:ext cx="0" cy="0"/>
+          <a:chOff x="0" y="0"/>
+          <a:chExt cx="0" cy="0"/>
+        </a:xfrm>
+      </p:grpSpPr>
+      <p:sp>
+        <p:nvSpPr>
+          <p:cNvPr id="2" name="Title 1">
+            <a:extLst>
+              <a:ext uri="{FF2B5EF4-FFF2-40B4-BE49-F238E27FC236}">
+                <a16:creationId xmlns:a16="http://schemas.microsoft.com/office/drawing/2014/main" id="{77192CF8-97FD-A503-C27E-8ACFA0814759}"/>
+              </a:ext>
+            </a:extLst>
+          </p:cNvPr>
+          <p:cNvSpPr>
+            <a:spLocks noGrp="1"/>
+          </p:cNvSpPr>
+          <p:nvPr>
+            <p:ph type="title"/>
+          </p:nvPr>
+        </p:nvSpPr>
+        <p:spPr/>
+        <p:txBody>
+          <a:bodyPr/>
+          <a:lstStyle/>
+          <a:p>
+            <a:endParaRPr lang="en-US"/>
+          </a:p>
+        </p:txBody>
+      </p:sp>
+      <p:sp>
+        <p:nvSpPr>
+          <p:cNvPr id="3" name="Content Placeholder 2">
+            <a:extLst>
+              <a:ext uri="{FF2B5EF4-FFF2-40B4-BE49-F238E27FC236}">
+                <a16:creationId xmlns:a16="http://schemas.microsoft.com/office/drawing/2014/main" id="{A006C40B-C0B2-2490-212F-05E93B6E7638}"/>
+              </a:ext>
+            </a:extLst>
+          </p:cNvPr>
+          <p:cNvSpPr>
+            <a:spLocks noGrp="1"/>
+          </p:cNvSpPr>
+          <p:nvPr>
+            <p:ph idx="1"/>
+          </p:nvPr>
+        </p:nvSpPr>
+        <p:spPr/>
+        <p:txBody>
+          <a:bodyPr/>
+          <a:lstStyle/>
+          <a:p>
+            <a:endParaRPr lang="en-US"/>
+          </a:p>
+        </p:txBody>
+      </p:sp>
+      <p:pic>
+        <p:nvPicPr>
+          <p:cNvPr id="5" name="Picture 4">
+            <a:extLst>
+              <a:ext uri="{FF2B5EF4-FFF2-40B4-BE49-F238E27FC236}">
+                <a16:creationId xmlns:a16="http://schemas.microsoft.com/office/drawing/2014/main" id="{154DD0AD-9976-77A6-67A5-E43A7228859A}"/>
+              </a:ext>
+            </a:extLst>
+          </p:cNvPr>
+          <p:cNvPicPr>
+            <a:picLocks noChangeAspect="1"/>
+          </p:cNvPicPr>
+          <p:nvPr/>
+        </p:nvPicPr>
+        <p:blipFill>
+          <a:blip r:embed="rId2"/>
+          <a:stretch>
+            <a:fillRect/>
+          </a:stretch>
+        </p:blipFill>
+        <p:spPr>
+          <a:xfrm>
+            <a:off x="0" y="0"/>
+            <a:ext cx="12192000" cy="6858000"/>
+          </a:xfrm>
+          <a:prstGeom prst="rect">
+            <a:avLst/>
+          </a:prstGeom>
+        </p:spPr>
+      </p:pic>
+    </p:spTree>
+    <p:extLst>
+      <p:ext uri="{BB962C8B-B14F-4D97-AF65-F5344CB8AC3E}">
+        <p14:creationId xmlns:p14="http://schemas.microsoft.com/office/powerpoint/2010/main" val="511761488"/>
+      </p:ext>
+    </p:extLst>
+  </p:cSld>
+  <p:clrMapOvr>
+    <a:masterClrMapping/>
+  </p:clrMapOvr>
+</p:sld>
+</file>
+
+<file path=ppt/slides/slide5.xml><?xml version="1.0" encoding="utf-8"?>
+<p:sld xmlns:a="http://schemas.openxmlformats.org/drawingml/2006/main" xmlns:r="http://schemas.openxmlformats.org/officeDocument/2006/relationships" xmlns:p="http://schemas.openxmlformats.org/presentationml/2006/main">
+  <p:cSld>
+    <p:spTree>
+      <p:nvGrpSpPr>
+        <p:cNvPr id="1" name=""/>
+        <p:cNvGrpSpPr/>
+        <p:nvPr/>
+      </p:nvGrpSpPr>
+      <p:grpSpPr>
+        <a:xfrm>
+          <a:off x="0" y="0"/>
+          <a:ext cx="0" cy="0"/>
+          <a:chOff x="0" y="0"/>
+          <a:chExt cx="0" cy="0"/>
+        </a:xfrm>
+      </p:grpSpPr>
+      <p:sp>
+        <p:nvSpPr>
+          <p:cNvPr id="2" name="Title 1">
+            <a:extLst>
+              <a:ext uri="{FF2B5EF4-FFF2-40B4-BE49-F238E27FC236}">
+                <a16:creationId xmlns:a16="http://schemas.microsoft.com/office/drawing/2014/main" id="{B1C03606-50A1-A97E-1C3E-B959D4661EE1}"/>
+              </a:ext>
+            </a:extLst>
+          </p:cNvPr>
+          <p:cNvSpPr>
+            <a:spLocks noGrp="1"/>
+          </p:cNvSpPr>
+          <p:nvPr>
+            <p:ph type="title"/>
+          </p:nvPr>
+        </p:nvSpPr>
+        <p:spPr/>
+        <p:txBody>
+          <a:bodyPr/>
+          <a:lstStyle/>
+          <a:p>
+            <a:endParaRPr lang="en-US"/>
+          </a:p>
+        </p:txBody>
+      </p:sp>
+      <p:sp>
+        <p:nvSpPr>
+          <p:cNvPr id="3" name="Content Placeholder 2">
+            <a:extLst>
+              <a:ext uri="{FF2B5EF4-FFF2-40B4-BE49-F238E27FC236}">
+                <a16:creationId xmlns:a16="http://schemas.microsoft.com/office/drawing/2014/main" id="{E2E6CEA5-AF82-9E35-6E4E-F7DDE9EB2162}"/>
+              </a:ext>
+            </a:extLst>
+          </p:cNvPr>
+          <p:cNvSpPr>
+            <a:spLocks noGrp="1"/>
+          </p:cNvSpPr>
+          <p:nvPr>
+            <p:ph idx="1"/>
+          </p:nvPr>
+        </p:nvSpPr>
+        <p:spPr/>
+        <p:txBody>
+          <a:bodyPr/>
+          <a:lstStyle/>
+          <a:p>
+            <a:endParaRPr lang="en-US"/>
+          </a:p>
+        </p:txBody>
+      </p:sp>
+      <p:pic>
+        <p:nvPicPr>
+          <p:cNvPr id="5" name="Picture 4">
+            <a:extLst>
+              <a:ext uri="{FF2B5EF4-FFF2-40B4-BE49-F238E27FC236}">
+                <a16:creationId xmlns:a16="http://schemas.microsoft.com/office/drawing/2014/main" id="{65EBD621-6179-ECF6-BCAD-5A3D88E53402}"/>
+              </a:ext>
+            </a:extLst>
+          </p:cNvPr>
+          <p:cNvPicPr>
+            <a:picLocks noChangeAspect="1"/>
+          </p:cNvPicPr>
+          <p:nvPr/>
+        </p:nvPicPr>
+        <p:blipFill>
+          <a:blip r:embed="rId2"/>
+          <a:stretch>
+            <a:fillRect/>
+          </a:stretch>
+        </p:blipFill>
+        <p:spPr>
+          <a:xfrm>
+            <a:off x="0" y="0"/>
+            <a:ext cx="12192000" cy="6858000"/>
+          </a:xfrm>
+          <a:prstGeom prst="rect">
+            <a:avLst/>
+          </a:prstGeom>
+        </p:spPr>
+      </p:pic>
+    </p:spTree>
+    <p:extLst>
+      <p:ext uri="{BB962C8B-B14F-4D97-AF65-F5344CB8AC3E}">
+        <p14:creationId xmlns:p14="http://schemas.microsoft.com/office/powerpoint/2010/main" val="2873164814"/>
+      </p:ext>
+    </p:extLst>
+  </p:cSld>
+  <p:clrMapOvr>
+    <a:masterClrMapping/>
+  </p:clrMapOvr>
+</p:sld>
+</file>
+
+<file path=ppt/slides/slide6.xml><?xml version="1.0" encoding="utf-8"?>
+<p:sld xmlns:a="http://schemas.openxmlformats.org/drawingml/2006/main" xmlns:r="http://schemas.openxmlformats.org/officeDocument/2006/relationships" xmlns:p="http://schemas.openxmlformats.org/presentationml/2006/main">
+  <p:cSld>
+    <p:spTree>
+      <p:nvGrpSpPr>
+        <p:cNvPr id="1" name=""/>
+        <p:cNvGrpSpPr/>
+        <p:nvPr/>
+      </p:nvGrpSpPr>
+      <p:grpSpPr>
+        <a:xfrm>
+          <a:off x="0" y="0"/>
+          <a:ext cx="0" cy="0"/>
+          <a:chOff x="0" y="0"/>
+          <a:chExt cx="0" cy="0"/>
+        </a:xfrm>
+      </p:grpSpPr>
+      <p:sp>
+        <p:nvSpPr>
+          <p:cNvPr id="2" name="Title 1">
+            <a:extLst>
+              <a:ext uri="{FF2B5EF4-FFF2-40B4-BE49-F238E27FC236}">
+                <a16:creationId xmlns:a16="http://schemas.microsoft.com/office/drawing/2014/main" id="{597CCF5C-173A-A5BE-DD05-358CBF8664DE}"/>
+              </a:ext>
+            </a:extLst>
+          </p:cNvPr>
+          <p:cNvSpPr>
+            <a:spLocks noGrp="1"/>
+          </p:cNvSpPr>
+          <p:nvPr>
+            <p:ph type="title"/>
+          </p:nvPr>
+        </p:nvSpPr>
+        <p:spPr/>
+        <p:txBody>
+          <a:bodyPr/>
+          <a:lstStyle/>
+          <a:p>
+            <a:endParaRPr lang="en-US"/>
+          </a:p>
+        </p:txBody>
+      </p:sp>
+      <p:sp>
+        <p:nvSpPr>
+          <p:cNvPr id="3" name="Content Placeholder 2">
+            <a:extLst>
+              <a:ext uri="{FF2B5EF4-FFF2-40B4-BE49-F238E27FC236}">
+                <a16:creationId xmlns:a16="http://schemas.microsoft.com/office/drawing/2014/main" id="{CE86F467-A868-878A-A760-0026B779F399}"/>
+              </a:ext>
+            </a:extLst>
+          </p:cNvPr>
+          <p:cNvSpPr>
+            <a:spLocks noGrp="1"/>
+          </p:cNvSpPr>
+          <p:nvPr>
+            <p:ph idx="1"/>
+          </p:nvPr>
+        </p:nvSpPr>
+        <p:spPr/>
+        <p:txBody>
+          <a:bodyPr/>
+          <a:lstStyle/>
+          <a:p>
+            <a:endParaRPr lang="en-US"/>
+          </a:p>
+        </p:txBody>
+      </p:sp>
+      <p:pic>
+        <p:nvPicPr>
+          <p:cNvPr id="5" name="Picture 4">
+            <a:extLst>
+              <a:ext uri="{FF2B5EF4-FFF2-40B4-BE49-F238E27FC236}">
+                <a16:creationId xmlns:a16="http://schemas.microsoft.com/office/drawing/2014/main" id="{E7D69F2D-9376-0AC8-AFAC-D2F281F992A3}"/>
+              </a:ext>
+            </a:extLst>
+          </p:cNvPr>
+          <p:cNvPicPr>
+            <a:picLocks noChangeAspect="1"/>
+          </p:cNvPicPr>
+          <p:nvPr/>
+        </p:nvPicPr>
+        <p:blipFill>
+          <a:blip r:embed="rId2"/>
+          <a:stretch>
+            <a:fillRect/>
+          </a:stretch>
+        </p:blipFill>
+        <p:spPr>
+          <a:xfrm>
+            <a:off x="0" y="0"/>
+            <a:ext cx="12192000" cy="6858000"/>
+          </a:xfrm>
+          <a:prstGeom prst="rect">
+            <a:avLst/>
+          </a:prstGeom>
+        </p:spPr>
+      </p:pic>
+    </p:spTree>
+    <p:extLst>
+      <p:ext uri="{BB962C8B-B14F-4D97-AF65-F5344CB8AC3E}">
+        <p14:creationId xmlns:p14="http://schemas.microsoft.com/office/powerpoint/2010/main" val="2459278528"/>
       </p:ext>
     </p:extLst>
   </p:cSld>
